--- a/Sources/MainSources.pptx
+++ b/Sources/MainSources.pptx
@@ -5,7 +5,7 @@
     <p:sldMasterId id="2147483660" r:id="rId1"/>
   </p:sldMasterIdLst>
   <p:notesMasterIdLst>
-    <p:notesMasterId r:id="rId8"/>
+    <p:notesMasterId r:id="rId13"/>
   </p:notesMasterIdLst>
   <p:sldIdLst>
     <p:sldId id="256" r:id="rId2"/>
@@ -13,7 +13,12 @@
     <p:sldId id="259" r:id="rId4"/>
     <p:sldId id="260" r:id="rId5"/>
     <p:sldId id="257" r:id="rId6"/>
-    <p:sldId id="261" r:id="rId7"/>
+    <p:sldId id="262" r:id="rId7"/>
+    <p:sldId id="263" r:id="rId8"/>
+    <p:sldId id="264" r:id="rId9"/>
+    <p:sldId id="265" r:id="rId10"/>
+    <p:sldId id="266" r:id="rId11"/>
+    <p:sldId id="261" r:id="rId12"/>
   </p:sldIdLst>
   <p:sldSz cx="12192000" cy="12801600"/>
   <p:notesSz cx="6858000" cy="9144000"/>
@@ -202,7 +207,7 @@
           <a:p>
             <a:fld id="{CBBBB1DF-C981-486B-AE82-D06F5963CB96}" type="datetimeFigureOut">
               <a:rPr lang="en-US" smtClean="0"/>
-              <a:t>7/15/2025</a:t>
+              <a:t>7/28/2025</a:t>
             </a:fld>
             <a:endParaRPr lang="en-US"/>
           </a:p>
@@ -684,7 +689,7 @@
           <a:p>
             <a:fld id="{85DAD695-A71B-459B-AB51-338B5A636636}" type="datetimeFigureOut">
               <a:rPr lang="en-US" smtClean="0"/>
-              <a:t>7/15/2025</a:t>
+              <a:t>7/28/2025</a:t>
             </a:fld>
             <a:endParaRPr lang="en-US"/>
           </a:p>
@@ -854,7 +859,7 @@
           <a:p>
             <a:fld id="{85DAD695-A71B-459B-AB51-338B5A636636}" type="datetimeFigureOut">
               <a:rPr lang="en-US" smtClean="0"/>
-              <a:t>7/15/2025</a:t>
+              <a:t>7/28/2025</a:t>
             </a:fld>
             <a:endParaRPr lang="en-US"/>
           </a:p>
@@ -1034,7 +1039,7 @@
           <a:p>
             <a:fld id="{85DAD695-A71B-459B-AB51-338B5A636636}" type="datetimeFigureOut">
               <a:rPr lang="en-US" smtClean="0"/>
-              <a:t>7/15/2025</a:t>
+              <a:t>7/28/2025</a:t>
             </a:fld>
             <a:endParaRPr lang="en-US"/>
           </a:p>
@@ -1204,7 +1209,7 @@
           <a:p>
             <a:fld id="{85DAD695-A71B-459B-AB51-338B5A636636}" type="datetimeFigureOut">
               <a:rPr lang="en-US" smtClean="0"/>
-              <a:t>7/15/2025</a:t>
+              <a:t>7/28/2025</a:t>
             </a:fld>
             <a:endParaRPr lang="en-US"/>
           </a:p>
@@ -1448,7 +1453,7 @@
           <a:p>
             <a:fld id="{85DAD695-A71B-459B-AB51-338B5A636636}" type="datetimeFigureOut">
               <a:rPr lang="en-US" smtClean="0"/>
-              <a:t>7/15/2025</a:t>
+              <a:t>7/28/2025</a:t>
             </a:fld>
             <a:endParaRPr lang="en-US"/>
           </a:p>
@@ -1680,7 +1685,7 @@
           <a:p>
             <a:fld id="{85DAD695-A71B-459B-AB51-338B5A636636}" type="datetimeFigureOut">
               <a:rPr lang="en-US" smtClean="0"/>
-              <a:t>7/15/2025</a:t>
+              <a:t>7/28/2025</a:t>
             </a:fld>
             <a:endParaRPr lang="en-US"/>
           </a:p>
@@ -2047,7 +2052,7 @@
           <a:p>
             <a:fld id="{85DAD695-A71B-459B-AB51-338B5A636636}" type="datetimeFigureOut">
               <a:rPr lang="en-US" smtClean="0"/>
-              <a:t>7/15/2025</a:t>
+              <a:t>7/28/2025</a:t>
             </a:fld>
             <a:endParaRPr lang="en-US"/>
           </a:p>
@@ -2165,7 +2170,7 @@
           <a:p>
             <a:fld id="{85DAD695-A71B-459B-AB51-338B5A636636}" type="datetimeFigureOut">
               <a:rPr lang="en-US" smtClean="0"/>
-              <a:t>7/15/2025</a:t>
+              <a:t>7/28/2025</a:t>
             </a:fld>
             <a:endParaRPr lang="en-US"/>
           </a:p>
@@ -2260,7 +2265,7 @@
           <a:p>
             <a:fld id="{85DAD695-A71B-459B-AB51-338B5A636636}" type="datetimeFigureOut">
               <a:rPr lang="en-US" smtClean="0"/>
-              <a:t>7/15/2025</a:t>
+              <a:t>7/28/2025</a:t>
             </a:fld>
             <a:endParaRPr lang="en-US"/>
           </a:p>
@@ -2537,7 +2542,7 @@
           <a:p>
             <a:fld id="{85DAD695-A71B-459B-AB51-338B5A636636}" type="datetimeFigureOut">
               <a:rPr lang="en-US" smtClean="0"/>
-              <a:t>7/15/2025</a:t>
+              <a:t>7/28/2025</a:t>
             </a:fld>
             <a:endParaRPr lang="en-US"/>
           </a:p>
@@ -2794,7 +2799,7 @@
           <a:p>
             <a:fld id="{85DAD695-A71B-459B-AB51-338B5A636636}" type="datetimeFigureOut">
               <a:rPr lang="en-US" smtClean="0"/>
-              <a:t>7/15/2025</a:t>
+              <a:t>7/28/2025</a:t>
             </a:fld>
             <a:endParaRPr lang="en-US"/>
           </a:p>
@@ -3007,7 +3012,7 @@
           <a:p>
             <a:fld id="{85DAD695-A71B-459B-AB51-338B5A636636}" type="datetimeFigureOut">
               <a:rPr lang="en-US" smtClean="0"/>
-              <a:t>7/15/2025</a:t>
+              <a:t>7/28/2025</a:t>
             </a:fld>
             <a:endParaRPr lang="en-US"/>
           </a:p>
@@ -3871,7 +3876,7 @@
             <a:avLst/>
           </a:prstGeom>
           <a:solidFill>
-            <a:srgbClr val="FFFF00"/>
+            <a:srgbClr val="FFC000"/>
           </a:solidFill>
         </p:spPr>
         <p:style>
@@ -3899,10 +3904,197 @@
           </a:p>
         </p:txBody>
       </p:sp>
+      <p:sp>
+        <p:nvSpPr>
+          <p:cNvPr id="17" name="Star: 5 Points 16">
+            <a:extLst>
+              <a:ext uri="{FF2B5EF4-FFF2-40B4-BE49-F238E27FC236}">
+                <a16:creationId xmlns:a16="http://schemas.microsoft.com/office/drawing/2014/main" id="{EFFC60EA-68CA-4B3E-AD13-EA735B78E7DF}"/>
+              </a:ext>
+            </a:extLst>
+          </p:cNvPr>
+          <p:cNvSpPr/>
+          <p:nvPr/>
+        </p:nvSpPr>
+        <p:spPr>
+          <a:xfrm>
+            <a:off x="5679760" y="876559"/>
+            <a:ext cx="790575" cy="790575"/>
+          </a:xfrm>
+          <a:prstGeom prst="star5">
+            <a:avLst/>
+          </a:prstGeom>
+          <a:solidFill>
+            <a:srgbClr val="FFC000"/>
+          </a:solidFill>
+        </p:spPr>
+        <p:style>
+          <a:lnRef idx="2">
+            <a:schemeClr val="accent1">
+              <a:shade val="50000"/>
+            </a:schemeClr>
+          </a:lnRef>
+          <a:fillRef idx="1">
+            <a:schemeClr val="accent1"/>
+          </a:fillRef>
+          <a:effectRef idx="0">
+            <a:schemeClr val="accent1"/>
+          </a:effectRef>
+          <a:fontRef idx="minor">
+            <a:schemeClr val="lt1"/>
+          </a:fontRef>
+        </p:style>
+        <p:txBody>
+          <a:bodyPr rtlCol="0" anchor="ctr"/>
+          <a:lstStyle/>
+          <a:p>
+            <a:pPr algn="ctr"/>
+            <a:endParaRPr lang="en-US"/>
+          </a:p>
+        </p:txBody>
+      </p:sp>
     </p:spTree>
     <p:extLst>
       <p:ext uri="{BB962C8B-B14F-4D97-AF65-F5344CB8AC3E}">
         <p14:creationId xmlns:p14="http://schemas.microsoft.com/office/powerpoint/2010/main" val="1501448604"/>
+      </p:ext>
+    </p:extLst>
+  </p:cSld>
+  <p:clrMapOvr>
+    <a:masterClrMapping/>
+  </p:clrMapOvr>
+</p:sld>
+</file>
+
+<file path=ppt/slides/slide10.xml><?xml version="1.0" encoding="utf-8"?>
+<p:sld xmlns:a="http://schemas.openxmlformats.org/drawingml/2006/main" xmlns:r="http://schemas.openxmlformats.org/officeDocument/2006/relationships" xmlns:p="http://schemas.openxmlformats.org/presentationml/2006/main">
+  <p:cSld>
+    <p:spTree>
+      <p:nvGrpSpPr>
+        <p:cNvPr id="1" name=""/>
+        <p:cNvGrpSpPr/>
+        <p:nvPr/>
+      </p:nvGrpSpPr>
+      <p:grpSpPr>
+        <a:xfrm>
+          <a:off x="0" y="0"/>
+          <a:ext cx="0" cy="0"/>
+          <a:chOff x="0" y="0"/>
+          <a:chExt cx="0" cy="0"/>
+        </a:xfrm>
+      </p:grpSpPr>
+    </p:spTree>
+    <p:extLst>
+      <p:ext uri="{BB962C8B-B14F-4D97-AF65-F5344CB8AC3E}">
+        <p14:creationId xmlns:p14="http://schemas.microsoft.com/office/powerpoint/2010/main" val="536343911"/>
+      </p:ext>
+    </p:extLst>
+  </p:cSld>
+  <p:clrMapOvr>
+    <a:masterClrMapping/>
+  </p:clrMapOvr>
+</p:sld>
+</file>
+
+<file path=ppt/slides/slide11.xml><?xml version="1.0" encoding="utf-8"?>
+<p:sld xmlns:a="http://schemas.openxmlformats.org/drawingml/2006/main" xmlns:r="http://schemas.openxmlformats.org/officeDocument/2006/relationships" xmlns:p="http://schemas.openxmlformats.org/presentationml/2006/main">
+  <p:cSld>
+    <p:spTree>
+      <p:nvGrpSpPr>
+        <p:cNvPr id="1" name=""/>
+        <p:cNvGrpSpPr/>
+        <p:nvPr/>
+      </p:nvGrpSpPr>
+      <p:grpSpPr>
+        <a:xfrm>
+          <a:off x="0" y="0"/>
+          <a:ext cx="0" cy="0"/>
+          <a:chOff x="0" y="0"/>
+          <a:chExt cx="0" cy="0"/>
+        </a:xfrm>
+      </p:grpSpPr>
+      <p:sp>
+        <p:nvSpPr>
+          <p:cNvPr id="2" name="TextBox 1">
+            <a:extLst>
+              <a:ext uri="{FF2B5EF4-FFF2-40B4-BE49-F238E27FC236}">
+                <a16:creationId xmlns:a16="http://schemas.microsoft.com/office/drawing/2014/main" id="{11C0B287-8F26-419F-9015-FB977527A4F7}"/>
+              </a:ext>
+            </a:extLst>
+          </p:cNvPr>
+          <p:cNvSpPr txBox="1"/>
+          <p:nvPr/>
+        </p:nvSpPr>
+        <p:spPr>
+          <a:xfrm>
+            <a:off x="352425" y="66675"/>
+            <a:ext cx="11925300" cy="369332"/>
+          </a:xfrm>
+          <a:prstGeom prst="rect">
+            <a:avLst/>
+          </a:prstGeom>
+          <a:noFill/>
+        </p:spPr>
+        <p:txBody>
+          <a:bodyPr wrap="square" rtlCol="0">
+            <a:spAutoFit/>
+          </a:bodyPr>
+          <a:lstStyle/>
+          <a:p>
+            <a:r>
+              <a:rPr lang="en-US" b="1" dirty="0" err="1"/>
+              <a:t>Auxillary</a:t>
+            </a:r>
+            <a:r>
+              <a:rPr lang="en-US" b="1" dirty="0"/>
+              <a:t> Sources</a:t>
+            </a:r>
+          </a:p>
+        </p:txBody>
+      </p:sp>
+      <p:sp>
+        <p:nvSpPr>
+          <p:cNvPr id="3" name="TextBox 2">
+            <a:extLst>
+              <a:ext uri="{FF2B5EF4-FFF2-40B4-BE49-F238E27FC236}">
+                <a16:creationId xmlns:a16="http://schemas.microsoft.com/office/drawing/2014/main" id="{E770D139-0732-4581-A796-DDA1E6A3C7A9}"/>
+              </a:ext>
+            </a:extLst>
+          </p:cNvPr>
+          <p:cNvSpPr txBox="1"/>
+          <p:nvPr/>
+        </p:nvSpPr>
+        <p:spPr>
+          <a:xfrm>
+            <a:off x="704849" y="714375"/>
+            <a:ext cx="10467975" cy="461665"/>
+          </a:xfrm>
+          <a:prstGeom prst="rect">
+            <a:avLst/>
+          </a:prstGeom>
+          <a:noFill/>
+        </p:spPr>
+        <p:txBody>
+          <a:bodyPr wrap="square" rtlCol="0">
+            <a:spAutoFit/>
+          </a:bodyPr>
+          <a:lstStyle/>
+          <a:p>
+            <a:pPr marL="171450" indent="-171450">
+              <a:buFont typeface="Arial" panose="020B0604020202020204" pitchFamily="34" charset="0"/>
+              <a:buChar char="•"/>
+            </a:pPr>
+            <a:r>
+              <a:rPr lang="en-US" sz="1200" dirty="0"/>
+              <a:t>Details about Anand model: https://scholar.google.com/scholar_lookup?title=Constitutive%20equations%20for%20hot-working%20of%20metals&amp;publication_year=1985&amp;author=L.%20Anand</a:t>
+            </a:r>
+          </a:p>
+        </p:txBody>
+      </p:sp>
+    </p:spTree>
+    <p:extLst>
+      <p:ext uri="{BB962C8B-B14F-4D97-AF65-F5344CB8AC3E}">
+        <p14:creationId xmlns:p14="http://schemas.microsoft.com/office/powerpoint/2010/main" val="2943728081"/>
       </p:ext>
     </p:extLst>
   </p:cSld>
@@ -4351,7 +4543,7 @@
         <p:spPr>
           <a:xfrm>
             <a:off x="1076325" y="2238375"/>
-            <a:ext cx="5629275" cy="369332"/>
+            <a:ext cx="5629275" cy="646331"/>
           </a:xfrm>
           <a:prstGeom prst="rect">
             <a:avLst/>
@@ -4367,6 +4559,12 @@
             <a:r>
               <a:rPr lang="en-US" dirty="0"/>
               <a:t>Main thing showed is that a large central void is very bad</a:t>
+            </a:r>
+          </a:p>
+          <a:p>
+            <a:r>
+              <a:rPr lang="en-US" dirty="0"/>
+              <a:t>EXPERIMENTAL evidence for large vs distributed</a:t>
             </a:r>
           </a:p>
         </p:txBody>
@@ -4978,6 +5176,41 @@
           </a:p>
         </p:txBody>
       </p:sp>
+      <p:sp>
+        <p:nvSpPr>
+          <p:cNvPr id="2" name="TextBox 1">
+            <a:extLst>
+              <a:ext uri="{FF2B5EF4-FFF2-40B4-BE49-F238E27FC236}">
+                <a16:creationId xmlns:a16="http://schemas.microsoft.com/office/drawing/2014/main" id="{FF699186-2A18-43F9-A2D2-466C6DBF81E6}"/>
+              </a:ext>
+            </a:extLst>
+          </p:cNvPr>
+          <p:cNvSpPr txBox="1"/>
+          <p:nvPr/>
+        </p:nvSpPr>
+        <p:spPr>
+          <a:xfrm>
+            <a:off x="6756400" y="215900"/>
+            <a:ext cx="2476500" cy="369332"/>
+          </a:xfrm>
+          <a:prstGeom prst="rect">
+            <a:avLst/>
+          </a:prstGeom>
+          <a:noFill/>
+        </p:spPr>
+        <p:txBody>
+          <a:bodyPr wrap="square" rtlCol="0">
+            <a:spAutoFit/>
+          </a:bodyPr>
+          <a:lstStyle/>
+          <a:p>
+            <a:r>
+              <a:rPr lang="en-US" dirty="0"/>
+              <a:t>COME BACK LATER</a:t>
+            </a:r>
+          </a:p>
+        </p:txBody>
+      </p:sp>
     </p:spTree>
     <p:extLst>
       <p:ext uri="{BB962C8B-B14F-4D97-AF65-F5344CB8AC3E}">
@@ -5013,7 +5246,7 @@
           <p:cNvPr id="2" name="TextBox 1">
             <a:extLst>
               <a:ext uri="{FF2B5EF4-FFF2-40B4-BE49-F238E27FC236}">
-                <a16:creationId xmlns:a16="http://schemas.microsoft.com/office/drawing/2014/main" id="{11C0B287-8F26-419F-9015-FB977527A4F7}"/>
+                <a16:creationId xmlns:a16="http://schemas.microsoft.com/office/drawing/2014/main" id="{7758C8AE-09DE-49BA-8746-DD45BC83D059}"/>
               </a:ext>
             </a:extLst>
           </p:cNvPr>
@@ -5022,8 +5255,8 @@
         </p:nvSpPr>
         <p:spPr>
           <a:xfrm>
-            <a:off x="352425" y="66675"/>
-            <a:ext cx="11925300" cy="369332"/>
+            <a:off x="895739" y="429208"/>
+            <a:ext cx="5200261" cy="338554"/>
           </a:xfrm>
           <a:prstGeom prst="rect">
             <a:avLst/>
@@ -5037,13 +5270,56 @@
           <a:lstStyle/>
           <a:p>
             <a:r>
-              <a:rPr lang="en-US" b="1" dirty="0" err="1"/>
-              <a:t>Auxillary</a:t>
-            </a:r>
-            <a:r>
-              <a:rPr lang="en-US" b="1" dirty="0"/>
-              <a:t> Sources</a:t>
-            </a:r>
+              <a:rPr lang="en-US" sz="800" b="0" i="0" dirty="0">
+                <a:solidFill>
+                  <a:srgbClr val="333333"/>
+                </a:solidFill>
+                <a:effectLst/>
+                <a:latin typeface="HelveticaNeue Regular"/>
+              </a:rPr>
+              <a:t>S. Fukunaga and T. Funaki, "A Novel Transient Thermal Characterization System for Power Modules," in </a:t>
+            </a:r>
+            <a:r>
+              <a:rPr lang="en-US" sz="800" b="0" i="1" dirty="0">
+                <a:solidFill>
+                  <a:srgbClr val="333333"/>
+                </a:solidFill>
+                <a:effectLst/>
+                <a:latin typeface="HelveticaNeue Regular"/>
+              </a:rPr>
+              <a:t>IEEE Journal of Emerging and Selected Topics in Power Electronics</a:t>
+            </a:r>
+            <a:r>
+              <a:rPr lang="en-US" sz="800" b="0" i="0" dirty="0">
+                <a:solidFill>
+                  <a:srgbClr val="333333"/>
+                </a:solidFill>
+                <a:effectLst/>
+                <a:latin typeface="HelveticaNeue Regular"/>
+              </a:rPr>
+              <a:t>, </a:t>
+            </a:r>
+            <a:r>
+              <a:rPr lang="en-US" sz="800" b="0" i="0" dirty="0" err="1">
+                <a:solidFill>
+                  <a:srgbClr val="333333"/>
+                </a:solidFill>
+                <a:effectLst/>
+                <a:latin typeface="HelveticaNeue Regular"/>
+              </a:rPr>
+              <a:t>doi</a:t>
+            </a:r>
+            <a:r>
+              <a:rPr lang="en-US" sz="800" b="0" i="0" dirty="0">
+                <a:solidFill>
+                  <a:srgbClr val="333333"/>
+                </a:solidFill>
+                <a:effectLst/>
+                <a:latin typeface="HelveticaNeue Regular"/>
+              </a:rPr>
+              <a:t>: 10.1109/JESTPE.2025.3561893.</a:t>
+            </a:r>
+            <a:endParaRPr lang="en-US" sz="800" dirty="0"/>
           </a:p>
         </p:txBody>
       </p:sp>
@@ -5052,7 +5328,7 @@
           <p:cNvPr id="3" name="TextBox 2">
             <a:extLst>
               <a:ext uri="{FF2B5EF4-FFF2-40B4-BE49-F238E27FC236}">
-                <a16:creationId xmlns:a16="http://schemas.microsoft.com/office/drawing/2014/main" id="{E770D139-0732-4581-A796-DDA1E6A3C7A9}"/>
+                <a16:creationId xmlns:a16="http://schemas.microsoft.com/office/drawing/2014/main" id="{45FE2F15-110E-4469-B219-603A5F191432}"/>
               </a:ext>
             </a:extLst>
           </p:cNvPr>
@@ -5061,8 +5337,8 @@
         </p:nvSpPr>
         <p:spPr>
           <a:xfrm>
-            <a:off x="704849" y="714375"/>
-            <a:ext cx="10467975" cy="461665"/>
+            <a:off x="733425" y="1162050"/>
+            <a:ext cx="5048250" cy="2308324"/>
           </a:xfrm>
           <a:prstGeom prst="rect">
             <a:avLst/>
@@ -5075,13 +5351,43 @@
           </a:bodyPr>
           <a:lstStyle/>
           <a:p>
-            <a:pPr marL="171450" indent="-171450">
+            <a:pPr marL="285750" indent="-285750">
               <a:buFont typeface="Arial" panose="020B0604020202020204" pitchFamily="34" charset="0"/>
               <a:buChar char="•"/>
             </a:pPr>
             <a:r>
-              <a:rPr lang="en-US" sz="1200" dirty="0"/>
-              <a:t>Details about Anand model: https://scholar.google.com/scholar_lookup?title=Constitutive%20equations%20for%20hot-working%20of%20metals&amp;publication_year=1985&amp;author=L.%20Anand</a:t>
+              <a:rPr lang="en-US" dirty="0"/>
+              <a:t>Uses structure function method on power modules</a:t>
+            </a:r>
+          </a:p>
+          <a:p>
+            <a:pPr marL="285750" indent="-285750">
+              <a:buFont typeface="Arial" panose="020B0604020202020204" pitchFamily="34" charset="0"/>
+              <a:buChar char="•"/>
+            </a:pPr>
+            <a:r>
+              <a:rPr lang="en-US" dirty="0"/>
+              <a:t>Shows the maximum cut-off time for square root of t extrapolation</a:t>
+            </a:r>
+          </a:p>
+          <a:p>
+            <a:pPr marL="285750" indent="-285750">
+              <a:buFont typeface="Arial" panose="020B0604020202020204" pitchFamily="34" charset="0"/>
+              <a:buChar char="•"/>
+            </a:pPr>
+            <a:r>
+              <a:rPr lang="en-US" dirty="0"/>
+              <a:t>Improves on the moving average filter</a:t>
+            </a:r>
+          </a:p>
+          <a:p>
+            <a:pPr marL="285750" indent="-285750">
+              <a:buFont typeface="Arial" panose="020B0604020202020204" pitchFamily="34" charset="0"/>
+              <a:buChar char="•"/>
+            </a:pPr>
+            <a:r>
+              <a:rPr lang="en-US" dirty="0"/>
+              <a:t>Decent explanation of algorithm, but doesn’t really add anything new other than the better filter</a:t>
             </a:r>
           </a:p>
         </p:txBody>
@@ -5089,7 +5395,1542 @@
     </p:spTree>
     <p:extLst>
       <p:ext uri="{BB962C8B-B14F-4D97-AF65-F5344CB8AC3E}">
-        <p14:creationId xmlns:p14="http://schemas.microsoft.com/office/powerpoint/2010/main" val="2943728081"/>
+        <p14:creationId xmlns:p14="http://schemas.microsoft.com/office/powerpoint/2010/main" val="755936859"/>
+      </p:ext>
+    </p:extLst>
+  </p:cSld>
+  <p:clrMapOvr>
+    <a:masterClrMapping/>
+  </p:clrMapOvr>
+</p:sld>
+</file>
+
+<file path=ppt/slides/slide7.xml><?xml version="1.0" encoding="utf-8"?>
+<p:sld xmlns:a="http://schemas.openxmlformats.org/drawingml/2006/main" xmlns:r="http://schemas.openxmlformats.org/officeDocument/2006/relationships" xmlns:p="http://schemas.openxmlformats.org/presentationml/2006/main">
+  <p:cSld>
+    <p:spTree>
+      <p:nvGrpSpPr>
+        <p:cNvPr id="1" name=""/>
+        <p:cNvGrpSpPr/>
+        <p:nvPr/>
+      </p:nvGrpSpPr>
+      <p:grpSpPr>
+        <a:xfrm>
+          <a:off x="0" y="0"/>
+          <a:ext cx="0" cy="0"/>
+          <a:chOff x="0" y="0"/>
+          <a:chExt cx="0" cy="0"/>
+        </a:xfrm>
+      </p:grpSpPr>
+      <p:sp>
+        <p:nvSpPr>
+          <p:cNvPr id="2" name="TextBox 1">
+            <a:extLst>
+              <a:ext uri="{FF2B5EF4-FFF2-40B4-BE49-F238E27FC236}">
+                <a16:creationId xmlns:a16="http://schemas.microsoft.com/office/drawing/2014/main" id="{7758C8AE-09DE-49BA-8746-DD45BC83D059}"/>
+              </a:ext>
+            </a:extLst>
+          </p:cNvPr>
+          <p:cNvSpPr txBox="1"/>
+          <p:nvPr/>
+        </p:nvSpPr>
+        <p:spPr>
+          <a:xfrm>
+            <a:off x="895739" y="429208"/>
+            <a:ext cx="5200261" cy="1200329"/>
+          </a:xfrm>
+          <a:prstGeom prst="rect">
+            <a:avLst/>
+          </a:prstGeom>
+          <a:noFill/>
+        </p:spPr>
+        <p:txBody>
+          <a:bodyPr wrap="square" rtlCol="0">
+            <a:spAutoFit/>
+          </a:bodyPr>
+          <a:lstStyle/>
+          <a:p>
+            <a:r>
+              <a:rPr lang="en-US" sz="800" b="0" i="0" dirty="0">
+                <a:solidFill>
+                  <a:srgbClr val="333333"/>
+                </a:solidFill>
+                <a:effectLst/>
+                <a:latin typeface="HelveticaNeue Regular"/>
+              </a:rPr>
+              <a:t>Hiroshi Onodera, Nobuyuki Shishido, Daisuke </a:t>
+            </a:r>
+            <a:r>
+              <a:rPr lang="en-US" sz="800" b="0" i="0" dirty="0" err="1">
+                <a:solidFill>
+                  <a:srgbClr val="333333"/>
+                </a:solidFill>
+                <a:effectLst/>
+                <a:latin typeface="HelveticaNeue Regular"/>
+              </a:rPr>
+              <a:t>Asari</a:t>
+            </a:r>
+            <a:r>
+              <a:rPr lang="en-US" sz="800" b="0" i="0" dirty="0">
+                <a:solidFill>
+                  <a:srgbClr val="333333"/>
+                </a:solidFill>
+                <a:effectLst/>
+                <a:latin typeface="HelveticaNeue Regular"/>
+              </a:rPr>
+              <a:t>, Hiroshi </a:t>
+            </a:r>
+            <a:r>
+              <a:rPr lang="en-US" sz="800" b="0" i="0" dirty="0" err="1">
+                <a:solidFill>
+                  <a:srgbClr val="333333"/>
+                </a:solidFill>
+                <a:effectLst/>
+                <a:latin typeface="HelveticaNeue Regular"/>
+              </a:rPr>
+              <a:t>Isono</a:t>
+            </a:r>
+            <a:r>
+              <a:rPr lang="en-US" sz="800" b="0" i="0" dirty="0">
+                <a:solidFill>
+                  <a:srgbClr val="333333"/>
+                </a:solidFill>
+                <a:effectLst/>
+                <a:latin typeface="HelveticaNeue Regular"/>
+              </a:rPr>
+              <a:t>, </a:t>
+            </a:r>
+            <a:r>
+              <a:rPr lang="en-US" sz="800" b="0" i="0" dirty="0" err="1">
+                <a:solidFill>
+                  <a:srgbClr val="333333"/>
+                </a:solidFill>
+                <a:effectLst/>
+                <a:latin typeface="HelveticaNeue Regular"/>
+              </a:rPr>
+              <a:t>Wataru</a:t>
+            </a:r>
+            <a:r>
+              <a:rPr lang="en-US" sz="800" b="0" i="0" dirty="0">
+                <a:solidFill>
+                  <a:srgbClr val="333333"/>
+                </a:solidFill>
+                <a:effectLst/>
+                <a:latin typeface="HelveticaNeue Regular"/>
+              </a:rPr>
+              <a:t> Saito,</a:t>
+            </a:r>
+          </a:p>
+          <a:p>
+            <a:r>
+              <a:rPr lang="en-US" sz="800" b="0" i="0" dirty="0">
+                <a:solidFill>
+                  <a:srgbClr val="333333"/>
+                </a:solidFill>
+                <a:effectLst/>
+                <a:latin typeface="HelveticaNeue Regular"/>
+              </a:rPr>
+              <a:t>Effect of solder junction void variation in power semiconductor package on power cycle lifetime,</a:t>
+            </a:r>
+          </a:p>
+          <a:p>
+            <a:r>
+              <a:rPr lang="en-US" sz="800" b="0" i="0" dirty="0">
+                <a:solidFill>
+                  <a:srgbClr val="333333"/>
+                </a:solidFill>
+                <a:effectLst/>
+                <a:latin typeface="HelveticaNeue Regular"/>
+              </a:rPr>
+              <a:t>Microelectronics Reliability,</a:t>
+            </a:r>
+          </a:p>
+          <a:p>
+            <a:r>
+              <a:rPr lang="en-US" sz="800" b="0" i="0" dirty="0">
+                <a:solidFill>
+                  <a:srgbClr val="333333"/>
+                </a:solidFill>
+                <a:effectLst/>
+                <a:latin typeface="HelveticaNeue Regular"/>
+              </a:rPr>
+              <a:t>Volume 161,</a:t>
+            </a:r>
+          </a:p>
+          <a:p>
+            <a:r>
+              <a:rPr lang="en-US" sz="800" b="0" i="0" dirty="0">
+                <a:solidFill>
+                  <a:srgbClr val="333333"/>
+                </a:solidFill>
+                <a:effectLst/>
+                <a:latin typeface="HelveticaNeue Regular"/>
+              </a:rPr>
+              <a:t>2024,</a:t>
+            </a:r>
+          </a:p>
+          <a:p>
+            <a:r>
+              <a:rPr lang="en-US" sz="800" b="0" i="0" dirty="0">
+                <a:solidFill>
+                  <a:srgbClr val="333333"/>
+                </a:solidFill>
+                <a:effectLst/>
+                <a:latin typeface="HelveticaNeue Regular"/>
+              </a:rPr>
+              <a:t>115471,</a:t>
+            </a:r>
+          </a:p>
+          <a:p>
+            <a:r>
+              <a:rPr lang="en-US" sz="800" b="0" i="0" dirty="0">
+                <a:solidFill>
+                  <a:srgbClr val="333333"/>
+                </a:solidFill>
+                <a:effectLst/>
+                <a:latin typeface="HelveticaNeue Regular"/>
+              </a:rPr>
+              <a:t>ISSN 0026-2714,</a:t>
+            </a:r>
+          </a:p>
+          <a:p>
+            <a:r>
+              <a:rPr lang="en-US" sz="800" b="0" i="0" dirty="0">
+                <a:solidFill>
+                  <a:srgbClr val="333333"/>
+                </a:solidFill>
+                <a:effectLst/>
+                <a:latin typeface="HelveticaNeue Regular"/>
+              </a:rPr>
+              <a:t>https://doi.org/10.1016/j.microrel.2024.115471.</a:t>
+            </a:r>
+          </a:p>
+          <a:p>
+            <a:r>
+              <a:rPr lang="en-US" sz="800" b="0" i="0" dirty="0">
+                <a:solidFill>
+                  <a:srgbClr val="333333"/>
+                </a:solidFill>
+                <a:effectLst/>
+                <a:latin typeface="HelveticaNeue Regular"/>
+              </a:rPr>
+              <a:t>(https://www.sciencedirect.com/science/article/pii/S0026271424001513)</a:t>
+            </a:r>
+          </a:p>
+        </p:txBody>
+      </p:sp>
+      <p:sp>
+        <p:nvSpPr>
+          <p:cNvPr id="3" name="TextBox 2">
+            <a:extLst>
+              <a:ext uri="{FF2B5EF4-FFF2-40B4-BE49-F238E27FC236}">
+                <a16:creationId xmlns:a16="http://schemas.microsoft.com/office/drawing/2014/main" id="{45FE2F15-110E-4469-B219-603A5F191432}"/>
+              </a:ext>
+            </a:extLst>
+          </p:cNvPr>
+          <p:cNvSpPr txBox="1"/>
+          <p:nvPr/>
+        </p:nvSpPr>
+        <p:spPr>
+          <a:xfrm>
+            <a:off x="5486400" y="-3475863"/>
+            <a:ext cx="5048250" cy="369332"/>
+          </a:xfrm>
+          <a:prstGeom prst="rect">
+            <a:avLst/>
+          </a:prstGeom>
+          <a:noFill/>
+        </p:spPr>
+        <p:txBody>
+          <a:bodyPr wrap="square" rtlCol="0">
+            <a:spAutoFit/>
+          </a:bodyPr>
+          <a:lstStyle/>
+          <a:p>
+            <a:pPr marL="285750" indent="-285750">
+              <a:buFont typeface="Arial" panose="020B0604020202020204" pitchFamily="34" charset="0"/>
+              <a:buChar char="•"/>
+            </a:pPr>
+            <a:r>
+              <a:rPr lang="en-US" dirty="0"/>
+              <a:t>Relationship between void ratio and </a:t>
+            </a:r>
+          </a:p>
+        </p:txBody>
+      </p:sp>
+      <p:pic>
+        <p:nvPicPr>
+          <p:cNvPr id="1026" name="Picture 2" descr="Apple PNG Clip Art - Best WEB Clipart">
+            <a:extLst>
+              <a:ext uri="{FF2B5EF4-FFF2-40B4-BE49-F238E27FC236}">
+                <a16:creationId xmlns:a16="http://schemas.microsoft.com/office/drawing/2014/main" id="{9F3C0EED-1057-414B-AB9F-47990E943812}"/>
+              </a:ext>
+            </a:extLst>
+          </p:cNvPr>
+          <p:cNvPicPr>
+            <a:picLocks noChangeAspect="1" noChangeArrowheads="1"/>
+          </p:cNvPicPr>
+          <p:nvPr/>
+        </p:nvPicPr>
+        <p:blipFill>
+          <a:blip r:embed="rId2">
+            <a:extLst>
+              <a:ext uri="{28A0092B-C50C-407E-A947-70E740481C1C}">
+                <a14:useLocalDpi xmlns:a14="http://schemas.microsoft.com/office/drawing/2010/main" val="0"/>
+              </a:ext>
+            </a:extLst>
+          </a:blip>
+          <a:srcRect/>
+          <a:stretch>
+            <a:fillRect/>
+          </a:stretch>
+        </p:blipFill>
+        <p:spPr bwMode="auto">
+          <a:xfrm>
+            <a:off x="10163175" y="267462"/>
+            <a:ext cx="1409700" cy="1409700"/>
+          </a:xfrm>
+          <a:prstGeom prst="rect">
+            <a:avLst/>
+          </a:prstGeom>
+          <a:noFill/>
+          <a:extLst>
+            <a:ext uri="{909E8E84-426E-40DD-AFC4-6F175D3DCCD1}">
+              <a14:hiddenFill xmlns:a14="http://schemas.microsoft.com/office/drawing/2010/main">
+                <a:solidFill>
+                  <a:srgbClr val="FFFFFF"/>
+                </a:solidFill>
+              </a14:hiddenFill>
+            </a:ext>
+          </a:extLst>
+        </p:spPr>
+      </p:pic>
+      <p:sp>
+        <p:nvSpPr>
+          <p:cNvPr id="4" name="TextBox 3">
+            <a:extLst>
+              <a:ext uri="{FF2B5EF4-FFF2-40B4-BE49-F238E27FC236}">
+                <a16:creationId xmlns:a16="http://schemas.microsoft.com/office/drawing/2014/main" id="{86D3E151-7866-4456-BB7D-53AFD19F4E8A}"/>
+              </a:ext>
+            </a:extLst>
+          </p:cNvPr>
+          <p:cNvSpPr txBox="1"/>
+          <p:nvPr/>
+        </p:nvSpPr>
+        <p:spPr>
+          <a:xfrm>
+            <a:off x="1047750" y="2000250"/>
+            <a:ext cx="3333750" cy="646331"/>
+          </a:xfrm>
+          <a:prstGeom prst="rect">
+            <a:avLst/>
+          </a:prstGeom>
+          <a:noFill/>
+        </p:spPr>
+        <p:txBody>
+          <a:bodyPr wrap="square" rtlCol="0">
+            <a:spAutoFit/>
+          </a:bodyPr>
+          <a:lstStyle/>
+          <a:p>
+            <a:r>
+              <a:rPr lang="en-US" dirty="0"/>
+              <a:t>Relationship between voids and </a:t>
+            </a:r>
+            <a:r>
+              <a:rPr lang="en-US" b="1" dirty="0"/>
+              <a:t>Power Module </a:t>
+            </a:r>
+            <a:r>
+              <a:rPr lang="en-US" dirty="0"/>
+              <a:t>cycling lifetime</a:t>
+            </a:r>
+          </a:p>
+        </p:txBody>
+      </p:sp>
+      <p:pic>
+        <p:nvPicPr>
+          <p:cNvPr id="6" name="Picture 5">
+            <a:extLst>
+              <a:ext uri="{FF2B5EF4-FFF2-40B4-BE49-F238E27FC236}">
+                <a16:creationId xmlns:a16="http://schemas.microsoft.com/office/drawing/2014/main" id="{E016B51B-C8DE-42A2-BA01-F6FF9E05614B}"/>
+              </a:ext>
+            </a:extLst>
+          </p:cNvPr>
+          <p:cNvPicPr>
+            <a:picLocks noChangeAspect="1"/>
+          </p:cNvPicPr>
+          <p:nvPr/>
+        </p:nvPicPr>
+        <p:blipFill>
+          <a:blip r:embed="rId3"/>
+          <a:stretch>
+            <a:fillRect/>
+          </a:stretch>
+        </p:blipFill>
+        <p:spPr>
+          <a:xfrm>
+            <a:off x="895739" y="3017294"/>
+            <a:ext cx="6506483" cy="1057423"/>
+          </a:xfrm>
+          <a:prstGeom prst="rect">
+            <a:avLst/>
+          </a:prstGeom>
+        </p:spPr>
+      </p:pic>
+      <p:sp>
+        <p:nvSpPr>
+          <p:cNvPr id="7" name="TextBox 6">
+            <a:extLst>
+              <a:ext uri="{FF2B5EF4-FFF2-40B4-BE49-F238E27FC236}">
+                <a16:creationId xmlns:a16="http://schemas.microsoft.com/office/drawing/2014/main" id="{621D6FE1-FA6F-431E-ADC1-3353671FD042}"/>
+              </a:ext>
+            </a:extLst>
+          </p:cNvPr>
+          <p:cNvSpPr txBox="1"/>
+          <p:nvPr/>
+        </p:nvSpPr>
+        <p:spPr>
+          <a:xfrm>
+            <a:off x="895739" y="4341883"/>
+            <a:ext cx="4781550" cy="646331"/>
+          </a:xfrm>
+          <a:prstGeom prst="rect">
+            <a:avLst/>
+          </a:prstGeom>
+          <a:noFill/>
+        </p:spPr>
+        <p:txBody>
+          <a:bodyPr wrap="square" rtlCol="0">
+            <a:spAutoFit/>
+          </a:bodyPr>
+          <a:lstStyle/>
+          <a:p>
+            <a:r>
+              <a:rPr lang="en-US" dirty="0"/>
+              <a:t>The location of the voids had a bigger impact on lifetime than void %</a:t>
+            </a:r>
+          </a:p>
+        </p:txBody>
+      </p:sp>
+    </p:spTree>
+    <p:extLst>
+      <p:ext uri="{BB962C8B-B14F-4D97-AF65-F5344CB8AC3E}">
+        <p14:creationId xmlns:p14="http://schemas.microsoft.com/office/powerpoint/2010/main" val="3624562703"/>
+      </p:ext>
+    </p:extLst>
+  </p:cSld>
+  <p:clrMapOvr>
+    <a:masterClrMapping/>
+  </p:clrMapOvr>
+</p:sld>
+</file>
+
+<file path=ppt/slides/slide8.xml><?xml version="1.0" encoding="utf-8"?>
+<p:sld xmlns:a="http://schemas.openxmlformats.org/drawingml/2006/main" xmlns:r="http://schemas.openxmlformats.org/officeDocument/2006/relationships" xmlns:p="http://schemas.openxmlformats.org/presentationml/2006/main">
+  <p:cSld>
+    <p:spTree>
+      <p:nvGrpSpPr>
+        <p:cNvPr id="1" name=""/>
+        <p:cNvGrpSpPr/>
+        <p:nvPr/>
+      </p:nvGrpSpPr>
+      <p:grpSpPr>
+        <a:xfrm>
+          <a:off x="0" y="0"/>
+          <a:ext cx="0" cy="0"/>
+          <a:chOff x="0" y="0"/>
+          <a:chExt cx="0" cy="0"/>
+        </a:xfrm>
+      </p:grpSpPr>
+      <p:sp>
+        <p:nvSpPr>
+          <p:cNvPr id="2" name="TextBox 1">
+            <a:extLst>
+              <a:ext uri="{FF2B5EF4-FFF2-40B4-BE49-F238E27FC236}">
+                <a16:creationId xmlns:a16="http://schemas.microsoft.com/office/drawing/2014/main" id="{7758C8AE-09DE-49BA-8746-DD45BC83D059}"/>
+              </a:ext>
+            </a:extLst>
+          </p:cNvPr>
+          <p:cNvSpPr txBox="1"/>
+          <p:nvPr/>
+        </p:nvSpPr>
+        <p:spPr>
+          <a:xfrm>
+            <a:off x="895739" y="429208"/>
+            <a:ext cx="5200261" cy="461665"/>
+          </a:xfrm>
+          <a:prstGeom prst="rect">
+            <a:avLst/>
+          </a:prstGeom>
+          <a:noFill/>
+        </p:spPr>
+        <p:txBody>
+          <a:bodyPr wrap="square" rtlCol="0">
+            <a:spAutoFit/>
+          </a:bodyPr>
+          <a:lstStyle/>
+          <a:p>
+            <a:r>
+              <a:rPr lang="en-US" sz="800" b="0" i="0" dirty="0">
+                <a:solidFill>
+                  <a:srgbClr val="333333"/>
+                </a:solidFill>
+                <a:effectLst/>
+                <a:latin typeface="HelveticaNeue Regular"/>
+              </a:rPr>
+              <a:t>G. Yang, D. Liu, Z. Li, W. Wang, T. Wang and X. Heng, "Analysis of the influence of voids in solder layer on IGBT failure based on ANSYS," </a:t>
+            </a:r>
+            <a:r>
+              <a:rPr lang="en-US" sz="800" b="0" i="1" dirty="0">
+                <a:solidFill>
+                  <a:srgbClr val="333333"/>
+                </a:solidFill>
+                <a:effectLst/>
+                <a:latin typeface="HelveticaNeue Regular"/>
+              </a:rPr>
+              <a:t>2021 IEEE 16th Conference on Industrial Electronics and Applications (ICIEA)</a:t>
+            </a:r>
+            <a:r>
+              <a:rPr lang="en-US" sz="800" b="0" i="0" dirty="0">
+                <a:solidFill>
+                  <a:srgbClr val="333333"/>
+                </a:solidFill>
+                <a:effectLst/>
+                <a:latin typeface="HelveticaNeue Regular"/>
+              </a:rPr>
+              <a:t>, Chengdu, China, 2021, pp. 768-773, </a:t>
+            </a:r>
+            <a:r>
+              <a:rPr lang="en-US" sz="800" b="0" i="0" dirty="0" err="1">
+                <a:solidFill>
+                  <a:srgbClr val="333333"/>
+                </a:solidFill>
+                <a:effectLst/>
+                <a:latin typeface="HelveticaNeue Regular"/>
+              </a:rPr>
+              <a:t>doi</a:t>
+            </a:r>
+            <a:r>
+              <a:rPr lang="en-US" sz="800" b="0" i="0" dirty="0">
+                <a:solidFill>
+                  <a:srgbClr val="333333"/>
+                </a:solidFill>
+                <a:effectLst/>
+                <a:latin typeface="HelveticaNeue Regular"/>
+              </a:rPr>
+              <a:t>: 10.1109/ICIEA51954.2021.9516102.</a:t>
+            </a:r>
+          </a:p>
+        </p:txBody>
+      </p:sp>
+      <p:sp>
+        <p:nvSpPr>
+          <p:cNvPr id="3" name="TextBox 2">
+            <a:extLst>
+              <a:ext uri="{FF2B5EF4-FFF2-40B4-BE49-F238E27FC236}">
+                <a16:creationId xmlns:a16="http://schemas.microsoft.com/office/drawing/2014/main" id="{45FE2F15-110E-4469-B219-603A5F191432}"/>
+              </a:ext>
+            </a:extLst>
+          </p:cNvPr>
+          <p:cNvSpPr txBox="1"/>
+          <p:nvPr/>
+        </p:nvSpPr>
+        <p:spPr>
+          <a:xfrm>
+            <a:off x="5486400" y="-3475863"/>
+            <a:ext cx="5048250" cy="369332"/>
+          </a:xfrm>
+          <a:prstGeom prst="rect">
+            <a:avLst/>
+          </a:prstGeom>
+          <a:noFill/>
+        </p:spPr>
+        <p:txBody>
+          <a:bodyPr wrap="square" rtlCol="0">
+            <a:spAutoFit/>
+          </a:bodyPr>
+          <a:lstStyle/>
+          <a:p>
+            <a:pPr marL="285750" indent="-285750">
+              <a:buFont typeface="Arial" panose="020B0604020202020204" pitchFamily="34" charset="0"/>
+              <a:buChar char="•"/>
+            </a:pPr>
+            <a:r>
+              <a:rPr lang="en-US" dirty="0"/>
+              <a:t>Relationship between void ratio and </a:t>
+            </a:r>
+          </a:p>
+        </p:txBody>
+      </p:sp>
+      <p:sp>
+        <p:nvSpPr>
+          <p:cNvPr id="4" name="TextBox 3">
+            <a:extLst>
+              <a:ext uri="{FF2B5EF4-FFF2-40B4-BE49-F238E27FC236}">
+                <a16:creationId xmlns:a16="http://schemas.microsoft.com/office/drawing/2014/main" id="{86D3E151-7866-4456-BB7D-53AFD19F4E8A}"/>
+              </a:ext>
+            </a:extLst>
+          </p:cNvPr>
+          <p:cNvSpPr txBox="1"/>
+          <p:nvPr/>
+        </p:nvSpPr>
+        <p:spPr>
+          <a:xfrm>
+            <a:off x="895739" y="1200150"/>
+            <a:ext cx="3333750" cy="923330"/>
+          </a:xfrm>
+          <a:prstGeom prst="rect">
+            <a:avLst/>
+          </a:prstGeom>
+          <a:noFill/>
+        </p:spPr>
+        <p:txBody>
+          <a:bodyPr wrap="square" rtlCol="0">
+            <a:spAutoFit/>
+          </a:bodyPr>
+          <a:lstStyle/>
+          <a:p>
+            <a:r>
+              <a:rPr lang="en-US" b="1" dirty="0"/>
+              <a:t>IGBT </a:t>
+            </a:r>
+            <a:r>
+              <a:rPr lang="en-US" dirty="0"/>
+              <a:t>temperature distribution under different void sizes and positions</a:t>
+            </a:r>
+            <a:endParaRPr lang="en-US" b="1" dirty="0"/>
+          </a:p>
+        </p:txBody>
+      </p:sp>
+      <p:pic>
+        <p:nvPicPr>
+          <p:cNvPr id="5" name="Picture 4">
+            <a:extLst>
+              <a:ext uri="{FF2B5EF4-FFF2-40B4-BE49-F238E27FC236}">
+                <a16:creationId xmlns:a16="http://schemas.microsoft.com/office/drawing/2014/main" id="{144482B8-3703-4E79-877C-BC800B656315}"/>
+              </a:ext>
+            </a:extLst>
+          </p:cNvPr>
+          <p:cNvPicPr>
+            <a:picLocks noChangeAspect="1"/>
+          </p:cNvPicPr>
+          <p:nvPr/>
+        </p:nvPicPr>
+        <p:blipFill>
+          <a:blip r:embed="rId2"/>
+          <a:stretch>
+            <a:fillRect/>
+          </a:stretch>
+        </p:blipFill>
+        <p:spPr>
+          <a:xfrm>
+            <a:off x="9267436" y="429208"/>
+            <a:ext cx="2028825" cy="1409700"/>
+          </a:xfrm>
+          <a:prstGeom prst="rect">
+            <a:avLst/>
+          </a:prstGeom>
+        </p:spPr>
+      </p:pic>
+      <p:pic>
+        <p:nvPicPr>
+          <p:cNvPr id="9" name="Picture 8">
+            <a:extLst>
+              <a:ext uri="{FF2B5EF4-FFF2-40B4-BE49-F238E27FC236}">
+                <a16:creationId xmlns:a16="http://schemas.microsoft.com/office/drawing/2014/main" id="{904E682C-D3AC-43F6-9B2F-AB18B0757495}"/>
+              </a:ext>
+            </a:extLst>
+          </p:cNvPr>
+          <p:cNvPicPr>
+            <a:picLocks noChangeAspect="1"/>
+          </p:cNvPicPr>
+          <p:nvPr/>
+        </p:nvPicPr>
+        <p:blipFill>
+          <a:blip r:embed="rId3"/>
+          <a:stretch>
+            <a:fillRect/>
+          </a:stretch>
+        </p:blipFill>
+        <p:spPr>
+          <a:xfrm>
+            <a:off x="4686300" y="2660673"/>
+            <a:ext cx="4777420" cy="1838106"/>
+          </a:xfrm>
+          <a:prstGeom prst="rect">
+            <a:avLst/>
+          </a:prstGeom>
+        </p:spPr>
+      </p:pic>
+      <p:pic>
+        <p:nvPicPr>
+          <p:cNvPr id="11" name="Picture 10">
+            <a:extLst>
+              <a:ext uri="{FF2B5EF4-FFF2-40B4-BE49-F238E27FC236}">
+                <a16:creationId xmlns:a16="http://schemas.microsoft.com/office/drawing/2014/main" id="{E31ECA8D-FE67-4924-BCB2-338D7DBF8923}"/>
+              </a:ext>
+            </a:extLst>
+          </p:cNvPr>
+          <p:cNvPicPr>
+            <a:picLocks noChangeAspect="1"/>
+          </p:cNvPicPr>
+          <p:nvPr/>
+        </p:nvPicPr>
+        <p:blipFill>
+          <a:blip r:embed="rId4"/>
+          <a:stretch>
+            <a:fillRect/>
+          </a:stretch>
+        </p:blipFill>
+        <p:spPr>
+          <a:xfrm>
+            <a:off x="2908300" y="4813038"/>
+            <a:ext cx="3556000" cy="2555011"/>
+          </a:xfrm>
+          <a:prstGeom prst="rect">
+            <a:avLst/>
+          </a:prstGeom>
+        </p:spPr>
+      </p:pic>
+      <p:pic>
+        <p:nvPicPr>
+          <p:cNvPr id="13" name="Picture 12">
+            <a:extLst>
+              <a:ext uri="{FF2B5EF4-FFF2-40B4-BE49-F238E27FC236}">
+                <a16:creationId xmlns:a16="http://schemas.microsoft.com/office/drawing/2014/main" id="{EEE23C52-9037-48C1-A25C-19A8C47E2EA2}"/>
+              </a:ext>
+            </a:extLst>
+          </p:cNvPr>
+          <p:cNvPicPr>
+            <a:picLocks noChangeAspect="1"/>
+          </p:cNvPicPr>
+          <p:nvPr/>
+        </p:nvPicPr>
+        <p:blipFill>
+          <a:blip r:embed="rId5"/>
+          <a:stretch>
+            <a:fillRect/>
+          </a:stretch>
+        </p:blipFill>
+        <p:spPr>
+          <a:xfrm>
+            <a:off x="2403952" y="7776924"/>
+            <a:ext cx="7384096" cy="1088828"/>
+          </a:xfrm>
+          <a:prstGeom prst="rect">
+            <a:avLst/>
+          </a:prstGeom>
+        </p:spPr>
+      </p:pic>
+      <p:sp>
+        <p:nvSpPr>
+          <p:cNvPr id="15" name="Star: 5 Points 14">
+            <a:extLst>
+              <a:ext uri="{FF2B5EF4-FFF2-40B4-BE49-F238E27FC236}">
+                <a16:creationId xmlns:a16="http://schemas.microsoft.com/office/drawing/2014/main" id="{2D1E6711-D50D-4F7C-8C94-F7D519B47F2A}"/>
+              </a:ext>
+            </a:extLst>
+          </p:cNvPr>
+          <p:cNvSpPr/>
+          <p:nvPr/>
+        </p:nvSpPr>
+        <p:spPr>
+          <a:xfrm>
+            <a:off x="7615237" y="738770"/>
+            <a:ext cx="790575" cy="790575"/>
+          </a:xfrm>
+          <a:prstGeom prst="star5">
+            <a:avLst/>
+          </a:prstGeom>
+          <a:solidFill>
+            <a:srgbClr val="FFFF00"/>
+          </a:solidFill>
+        </p:spPr>
+        <p:style>
+          <a:lnRef idx="2">
+            <a:schemeClr val="accent1">
+              <a:shade val="50000"/>
+            </a:schemeClr>
+          </a:lnRef>
+          <a:fillRef idx="1">
+            <a:schemeClr val="accent1"/>
+          </a:fillRef>
+          <a:effectRef idx="0">
+            <a:schemeClr val="accent1"/>
+          </a:effectRef>
+          <a:fontRef idx="minor">
+            <a:schemeClr val="lt1"/>
+          </a:fontRef>
+        </p:style>
+        <p:txBody>
+          <a:bodyPr rtlCol="0" anchor="ctr"/>
+          <a:lstStyle/>
+          <a:p>
+            <a:pPr algn="ctr"/>
+            <a:endParaRPr lang="en-US"/>
+          </a:p>
+        </p:txBody>
+      </p:sp>
+      <p:pic>
+        <p:nvPicPr>
+          <p:cNvPr id="16" name="Picture 15">
+            <a:extLst>
+              <a:ext uri="{FF2B5EF4-FFF2-40B4-BE49-F238E27FC236}">
+                <a16:creationId xmlns:a16="http://schemas.microsoft.com/office/drawing/2014/main" id="{850FC764-B0A8-4106-8EFC-E786A9D43D54}"/>
+              </a:ext>
+            </a:extLst>
+          </p:cNvPr>
+          <p:cNvPicPr>
+            <a:picLocks noChangeAspect="1"/>
+          </p:cNvPicPr>
+          <p:nvPr/>
+        </p:nvPicPr>
+        <p:blipFill>
+          <a:blip r:embed="rId6"/>
+          <a:stretch>
+            <a:fillRect/>
+          </a:stretch>
+        </p:blipFill>
+        <p:spPr>
+          <a:xfrm>
+            <a:off x="7162800" y="4484681"/>
+            <a:ext cx="3556001" cy="2341967"/>
+          </a:xfrm>
+          <a:prstGeom prst="rect">
+            <a:avLst/>
+          </a:prstGeom>
+        </p:spPr>
+      </p:pic>
+      <p:pic>
+        <p:nvPicPr>
+          <p:cNvPr id="18" name="Picture 17">
+            <a:extLst>
+              <a:ext uri="{FF2B5EF4-FFF2-40B4-BE49-F238E27FC236}">
+                <a16:creationId xmlns:a16="http://schemas.microsoft.com/office/drawing/2014/main" id="{329E6096-CA09-43FE-A7A6-3C8C13589C63}"/>
+              </a:ext>
+            </a:extLst>
+          </p:cNvPr>
+          <p:cNvPicPr>
+            <a:picLocks noChangeAspect="1"/>
+          </p:cNvPicPr>
+          <p:nvPr/>
+        </p:nvPicPr>
+        <p:blipFill>
+          <a:blip r:embed="rId7"/>
+          <a:stretch>
+            <a:fillRect/>
+          </a:stretch>
+        </p:blipFill>
+        <p:spPr>
+          <a:xfrm>
+            <a:off x="2403952" y="9647914"/>
+            <a:ext cx="6801107" cy="2201797"/>
+          </a:xfrm>
+          <a:prstGeom prst="rect">
+            <a:avLst/>
+          </a:prstGeom>
+        </p:spPr>
+      </p:pic>
+      <p:sp>
+        <p:nvSpPr>
+          <p:cNvPr id="19" name="TextBox 18">
+            <a:extLst>
+              <a:ext uri="{FF2B5EF4-FFF2-40B4-BE49-F238E27FC236}">
+                <a16:creationId xmlns:a16="http://schemas.microsoft.com/office/drawing/2014/main" id="{40A770D6-EF0F-455B-94B4-B9DFECB155B4}"/>
+              </a:ext>
+            </a:extLst>
+          </p:cNvPr>
+          <p:cNvSpPr txBox="1"/>
+          <p:nvPr/>
+        </p:nvSpPr>
+        <p:spPr>
+          <a:xfrm>
+            <a:off x="9463720" y="10564146"/>
+            <a:ext cx="1669661" cy="369332"/>
+          </a:xfrm>
+          <a:prstGeom prst="rect">
+            <a:avLst/>
+          </a:prstGeom>
+          <a:noFill/>
+        </p:spPr>
+        <p:txBody>
+          <a:bodyPr wrap="square" rtlCol="0">
+            <a:spAutoFit/>
+          </a:bodyPr>
+          <a:lstStyle/>
+          <a:p>
+            <a:r>
+              <a:rPr lang="en-US" dirty="0"/>
+              <a:t>#2 dubious</a:t>
+            </a:r>
+          </a:p>
+        </p:txBody>
+      </p:sp>
+    </p:spTree>
+    <p:extLst>
+      <p:ext uri="{BB962C8B-B14F-4D97-AF65-F5344CB8AC3E}">
+        <p14:creationId xmlns:p14="http://schemas.microsoft.com/office/powerpoint/2010/main" val="3513981220"/>
+      </p:ext>
+    </p:extLst>
+  </p:cSld>
+  <p:clrMapOvr>
+    <a:masterClrMapping/>
+  </p:clrMapOvr>
+</p:sld>
+</file>
+
+<file path=ppt/slides/slide9.xml><?xml version="1.0" encoding="utf-8"?>
+<p:sld xmlns:a="http://schemas.openxmlformats.org/drawingml/2006/main" xmlns:r="http://schemas.openxmlformats.org/officeDocument/2006/relationships" xmlns:p="http://schemas.openxmlformats.org/presentationml/2006/main">
+  <p:cSld>
+    <p:spTree>
+      <p:nvGrpSpPr>
+        <p:cNvPr id="1" name=""/>
+        <p:cNvGrpSpPr/>
+        <p:nvPr/>
+      </p:nvGrpSpPr>
+      <p:grpSpPr>
+        <a:xfrm>
+          <a:off x="0" y="0"/>
+          <a:ext cx="0" cy="0"/>
+          <a:chOff x="0" y="0"/>
+          <a:chExt cx="0" cy="0"/>
+        </a:xfrm>
+      </p:grpSpPr>
+      <p:sp>
+        <p:nvSpPr>
+          <p:cNvPr id="2" name="TextBox 1">
+            <a:extLst>
+              <a:ext uri="{FF2B5EF4-FFF2-40B4-BE49-F238E27FC236}">
+                <a16:creationId xmlns:a16="http://schemas.microsoft.com/office/drawing/2014/main" id="{7758C8AE-09DE-49BA-8746-DD45BC83D059}"/>
+              </a:ext>
+            </a:extLst>
+          </p:cNvPr>
+          <p:cNvSpPr txBox="1"/>
+          <p:nvPr/>
+        </p:nvSpPr>
+        <p:spPr>
+          <a:xfrm>
+            <a:off x="895739" y="429208"/>
+            <a:ext cx="5200261" cy="1323439"/>
+          </a:xfrm>
+          <a:prstGeom prst="rect">
+            <a:avLst/>
+          </a:prstGeom>
+          <a:noFill/>
+        </p:spPr>
+        <p:txBody>
+          <a:bodyPr wrap="square" rtlCol="0">
+            <a:spAutoFit/>
+          </a:bodyPr>
+          <a:lstStyle/>
+          <a:p>
+            <a:r>
+              <a:rPr lang="en-US" sz="800" b="0" i="0" dirty="0">
+                <a:solidFill>
+                  <a:srgbClr val="333333"/>
+                </a:solidFill>
+                <a:effectLst/>
+                <a:latin typeface="HelveticaNeue Regular"/>
+              </a:rPr>
+              <a:t>Kenny C. </a:t>
+            </a:r>
+            <a:r>
+              <a:rPr lang="en-US" sz="800" b="0" i="0" dirty="0" err="1">
+                <a:solidFill>
+                  <a:srgbClr val="333333"/>
+                </a:solidFill>
+                <a:effectLst/>
+                <a:latin typeface="HelveticaNeue Regular"/>
+              </a:rPr>
+              <a:t>Otiaba</a:t>
+            </a:r>
+            <a:r>
+              <a:rPr lang="en-US" sz="800" b="0" i="0" dirty="0">
+                <a:solidFill>
+                  <a:srgbClr val="333333"/>
+                </a:solidFill>
+                <a:effectLst/>
+                <a:latin typeface="HelveticaNeue Regular"/>
+              </a:rPr>
+              <a:t>, R.S. Bhatti, N.N. </a:t>
+            </a:r>
+            <a:r>
+              <a:rPr lang="en-US" sz="800" b="0" i="0" dirty="0" err="1">
+                <a:solidFill>
+                  <a:srgbClr val="333333"/>
+                </a:solidFill>
+                <a:effectLst/>
+                <a:latin typeface="HelveticaNeue Regular"/>
+              </a:rPr>
+              <a:t>Ekere</a:t>
+            </a:r>
+            <a:r>
+              <a:rPr lang="en-US" sz="800" b="0" i="0" dirty="0">
+                <a:solidFill>
+                  <a:srgbClr val="333333"/>
+                </a:solidFill>
+                <a:effectLst/>
+                <a:latin typeface="HelveticaNeue Regular"/>
+              </a:rPr>
+              <a:t>, S. Mallik, M.O. </a:t>
+            </a:r>
+            <a:r>
+              <a:rPr lang="en-US" sz="800" b="0" i="0" dirty="0" err="1">
+                <a:solidFill>
+                  <a:srgbClr val="333333"/>
+                </a:solidFill>
+                <a:effectLst/>
+                <a:latin typeface="HelveticaNeue Regular"/>
+              </a:rPr>
+              <a:t>Alam</a:t>
+            </a:r>
+            <a:r>
+              <a:rPr lang="en-US" sz="800" b="0" i="0" dirty="0">
+                <a:solidFill>
+                  <a:srgbClr val="333333"/>
+                </a:solidFill>
+                <a:effectLst/>
+                <a:latin typeface="HelveticaNeue Regular"/>
+              </a:rPr>
+              <a:t>, E.H. </a:t>
+            </a:r>
+            <a:r>
+              <a:rPr lang="en-US" sz="800" b="0" i="0" dirty="0" err="1">
+                <a:solidFill>
+                  <a:srgbClr val="333333"/>
+                </a:solidFill>
+                <a:effectLst/>
+                <a:latin typeface="HelveticaNeue Regular"/>
+              </a:rPr>
+              <a:t>Amalu</a:t>
+            </a:r>
+            <a:r>
+              <a:rPr lang="en-US" sz="800" b="0" i="0" dirty="0">
+                <a:solidFill>
+                  <a:srgbClr val="333333"/>
+                </a:solidFill>
+                <a:effectLst/>
+                <a:latin typeface="HelveticaNeue Regular"/>
+              </a:rPr>
+              <a:t>, M. </a:t>
+            </a:r>
+            <a:r>
+              <a:rPr lang="en-US" sz="800" b="0" i="0" dirty="0" err="1">
+                <a:solidFill>
+                  <a:srgbClr val="333333"/>
+                </a:solidFill>
+                <a:effectLst/>
+                <a:latin typeface="HelveticaNeue Regular"/>
+              </a:rPr>
+              <a:t>Ekpu</a:t>
+            </a:r>
+            <a:r>
+              <a:rPr lang="en-US" sz="800" b="0" i="0" dirty="0">
+                <a:solidFill>
+                  <a:srgbClr val="333333"/>
+                </a:solidFill>
+                <a:effectLst/>
+                <a:latin typeface="HelveticaNeue Regular"/>
+              </a:rPr>
+              <a:t>,</a:t>
+            </a:r>
+          </a:p>
+          <a:p>
+            <a:r>
+              <a:rPr lang="en-US" sz="800" b="0" i="0" dirty="0">
+                <a:solidFill>
+                  <a:srgbClr val="333333"/>
+                </a:solidFill>
+                <a:effectLst/>
+                <a:latin typeface="HelveticaNeue Regular"/>
+              </a:rPr>
+              <a:t>Numerical study on thermal impacts of different void patterns on performance of chip-scale packaged power device,</a:t>
+            </a:r>
+          </a:p>
+          <a:p>
+            <a:r>
+              <a:rPr lang="en-US" sz="800" b="0" i="0" dirty="0">
+                <a:solidFill>
+                  <a:srgbClr val="333333"/>
+                </a:solidFill>
+                <a:effectLst/>
+                <a:latin typeface="HelveticaNeue Regular"/>
+              </a:rPr>
+              <a:t>Microelectronics Reliability,</a:t>
+            </a:r>
+          </a:p>
+          <a:p>
+            <a:r>
+              <a:rPr lang="en-US" sz="800" b="0" i="0" dirty="0">
+                <a:solidFill>
+                  <a:srgbClr val="333333"/>
+                </a:solidFill>
+                <a:effectLst/>
+                <a:latin typeface="HelveticaNeue Regular"/>
+              </a:rPr>
+              <a:t>Volume 52, Issue 7,</a:t>
+            </a:r>
+          </a:p>
+          <a:p>
+            <a:r>
+              <a:rPr lang="en-US" sz="800" b="0" i="0" dirty="0">
+                <a:solidFill>
+                  <a:srgbClr val="333333"/>
+                </a:solidFill>
+                <a:effectLst/>
+                <a:latin typeface="HelveticaNeue Regular"/>
+              </a:rPr>
+              <a:t>2012,</a:t>
+            </a:r>
+          </a:p>
+          <a:p>
+            <a:r>
+              <a:rPr lang="en-US" sz="800" b="0" i="0" dirty="0">
+                <a:solidFill>
+                  <a:srgbClr val="333333"/>
+                </a:solidFill>
+                <a:effectLst/>
+                <a:latin typeface="HelveticaNeue Regular"/>
+              </a:rPr>
+              <a:t>Pages 1409-1419,</a:t>
+            </a:r>
+          </a:p>
+          <a:p>
+            <a:r>
+              <a:rPr lang="en-US" sz="800" b="0" i="0" dirty="0">
+                <a:solidFill>
+                  <a:srgbClr val="333333"/>
+                </a:solidFill>
+                <a:effectLst/>
+                <a:latin typeface="HelveticaNeue Regular"/>
+              </a:rPr>
+              <a:t>ISSN 0026-2714,</a:t>
+            </a:r>
+          </a:p>
+          <a:p>
+            <a:r>
+              <a:rPr lang="en-US" sz="800" b="0" i="0" dirty="0">
+                <a:solidFill>
+                  <a:srgbClr val="333333"/>
+                </a:solidFill>
+                <a:effectLst/>
+                <a:latin typeface="HelveticaNeue Regular"/>
+              </a:rPr>
+              <a:t>https://doi.org/10.1016/j.microrel.2012.01.015.</a:t>
+            </a:r>
+          </a:p>
+          <a:p>
+            <a:r>
+              <a:rPr lang="en-US" sz="800" b="0" i="0" dirty="0">
+                <a:solidFill>
+                  <a:srgbClr val="333333"/>
+                </a:solidFill>
+                <a:effectLst/>
+                <a:latin typeface="HelveticaNeue Regular"/>
+              </a:rPr>
+              <a:t>(https://www.sciencedirect.com/science/article/pii/S0026271412000339)</a:t>
+            </a:r>
+          </a:p>
+        </p:txBody>
+      </p:sp>
+      <p:sp>
+        <p:nvSpPr>
+          <p:cNvPr id="3" name="TextBox 2">
+            <a:extLst>
+              <a:ext uri="{FF2B5EF4-FFF2-40B4-BE49-F238E27FC236}">
+                <a16:creationId xmlns:a16="http://schemas.microsoft.com/office/drawing/2014/main" id="{45FE2F15-110E-4469-B219-603A5F191432}"/>
+              </a:ext>
+            </a:extLst>
+          </p:cNvPr>
+          <p:cNvSpPr txBox="1"/>
+          <p:nvPr/>
+        </p:nvSpPr>
+        <p:spPr>
+          <a:xfrm>
+            <a:off x="5486400" y="-3475863"/>
+            <a:ext cx="5048250" cy="369332"/>
+          </a:xfrm>
+          <a:prstGeom prst="rect">
+            <a:avLst/>
+          </a:prstGeom>
+          <a:noFill/>
+        </p:spPr>
+        <p:txBody>
+          <a:bodyPr wrap="square" rtlCol="0">
+            <a:spAutoFit/>
+          </a:bodyPr>
+          <a:lstStyle/>
+          <a:p>
+            <a:pPr marL="285750" indent="-285750">
+              <a:buFont typeface="Arial" panose="020B0604020202020204" pitchFamily="34" charset="0"/>
+              <a:buChar char="•"/>
+            </a:pPr>
+            <a:r>
+              <a:rPr lang="en-US" dirty="0"/>
+              <a:t>Relationship between void ratio and </a:t>
+            </a:r>
+          </a:p>
+        </p:txBody>
+      </p:sp>
+      <p:sp>
+        <p:nvSpPr>
+          <p:cNvPr id="4" name="TextBox 3">
+            <a:extLst>
+              <a:ext uri="{FF2B5EF4-FFF2-40B4-BE49-F238E27FC236}">
+                <a16:creationId xmlns:a16="http://schemas.microsoft.com/office/drawing/2014/main" id="{86D3E151-7866-4456-BB7D-53AFD19F4E8A}"/>
+              </a:ext>
+            </a:extLst>
+          </p:cNvPr>
+          <p:cNvSpPr txBox="1"/>
+          <p:nvPr/>
+        </p:nvSpPr>
+        <p:spPr>
+          <a:xfrm>
+            <a:off x="895739" y="2038350"/>
+            <a:ext cx="3333750" cy="369332"/>
+          </a:xfrm>
+          <a:prstGeom prst="rect">
+            <a:avLst/>
+          </a:prstGeom>
+          <a:noFill/>
+        </p:spPr>
+        <p:txBody>
+          <a:bodyPr wrap="square" rtlCol="0">
+            <a:spAutoFit/>
+          </a:bodyPr>
+          <a:lstStyle/>
+          <a:p>
+            <a:r>
+              <a:rPr lang="en-US" b="1" dirty="0"/>
+              <a:t>Smaller-scale power packages</a:t>
+            </a:r>
+          </a:p>
+        </p:txBody>
+      </p:sp>
+      <p:pic>
+        <p:nvPicPr>
+          <p:cNvPr id="5" name="Picture 4">
+            <a:extLst>
+              <a:ext uri="{FF2B5EF4-FFF2-40B4-BE49-F238E27FC236}">
+                <a16:creationId xmlns:a16="http://schemas.microsoft.com/office/drawing/2014/main" id="{469B5828-13CB-4CB8-8852-F8BA97568D8B}"/>
+              </a:ext>
+            </a:extLst>
+          </p:cNvPr>
+          <p:cNvPicPr>
+            <a:picLocks noChangeAspect="1"/>
+          </p:cNvPicPr>
+          <p:nvPr/>
+        </p:nvPicPr>
+        <p:blipFill>
+          <a:blip r:embed="rId2"/>
+          <a:stretch>
+            <a:fillRect/>
+          </a:stretch>
+        </p:blipFill>
+        <p:spPr>
+          <a:xfrm>
+            <a:off x="9156700" y="813316"/>
+            <a:ext cx="1600200" cy="1409700"/>
+          </a:xfrm>
+          <a:prstGeom prst="rect">
+            <a:avLst/>
+          </a:prstGeom>
+        </p:spPr>
+      </p:pic>
+      <p:pic>
+        <p:nvPicPr>
+          <p:cNvPr id="8" name="Picture 7">
+            <a:extLst>
+              <a:ext uri="{FF2B5EF4-FFF2-40B4-BE49-F238E27FC236}">
+                <a16:creationId xmlns:a16="http://schemas.microsoft.com/office/drawing/2014/main" id="{2C6D65E8-1040-434E-AEC5-59EFC2CE495F}"/>
+              </a:ext>
+            </a:extLst>
+          </p:cNvPr>
+          <p:cNvPicPr>
+            <a:picLocks noChangeAspect="1"/>
+          </p:cNvPicPr>
+          <p:nvPr/>
+        </p:nvPicPr>
+        <p:blipFill>
+          <a:blip r:embed="rId3"/>
+          <a:stretch>
+            <a:fillRect/>
+          </a:stretch>
+        </p:blipFill>
+        <p:spPr>
+          <a:xfrm>
+            <a:off x="785406" y="2976302"/>
+            <a:ext cx="5820587" cy="3724795"/>
+          </a:xfrm>
+          <a:prstGeom prst="rect">
+            <a:avLst/>
+          </a:prstGeom>
+        </p:spPr>
+      </p:pic>
+      <p:pic>
+        <p:nvPicPr>
+          <p:cNvPr id="10" name="Picture 9">
+            <a:extLst>
+              <a:ext uri="{FF2B5EF4-FFF2-40B4-BE49-F238E27FC236}">
+                <a16:creationId xmlns:a16="http://schemas.microsoft.com/office/drawing/2014/main" id="{CE7D2FE4-AE01-4A27-9F6B-65D2C36F1A4F}"/>
+              </a:ext>
+            </a:extLst>
+          </p:cNvPr>
+          <p:cNvPicPr>
+            <a:picLocks noChangeAspect="1"/>
+          </p:cNvPicPr>
+          <p:nvPr/>
+        </p:nvPicPr>
+        <p:blipFill>
+          <a:blip r:embed="rId4"/>
+          <a:stretch>
+            <a:fillRect/>
+          </a:stretch>
+        </p:blipFill>
+        <p:spPr>
+          <a:xfrm>
+            <a:off x="7155658" y="3124802"/>
+            <a:ext cx="4002084" cy="3427794"/>
+          </a:xfrm>
+          <a:prstGeom prst="rect">
+            <a:avLst/>
+          </a:prstGeom>
+        </p:spPr>
+      </p:pic>
+      <p:pic>
+        <p:nvPicPr>
+          <p:cNvPr id="12" name="Picture 11">
+            <a:extLst>
+              <a:ext uri="{FF2B5EF4-FFF2-40B4-BE49-F238E27FC236}">
+                <a16:creationId xmlns:a16="http://schemas.microsoft.com/office/drawing/2014/main" id="{859FFF19-038A-4F27-A552-A32AC8393F5E}"/>
+              </a:ext>
+            </a:extLst>
+          </p:cNvPr>
+          <p:cNvPicPr>
+            <a:picLocks noChangeAspect="1"/>
+          </p:cNvPicPr>
+          <p:nvPr/>
+        </p:nvPicPr>
+        <p:blipFill>
+          <a:blip r:embed="rId5"/>
+          <a:stretch>
+            <a:fillRect/>
+          </a:stretch>
+        </p:blipFill>
+        <p:spPr>
+          <a:xfrm>
+            <a:off x="811123" y="7454382"/>
+            <a:ext cx="6344535" cy="1295581"/>
+          </a:xfrm>
+          <a:prstGeom prst="rect">
+            <a:avLst/>
+          </a:prstGeom>
+        </p:spPr>
+      </p:pic>
+      <p:pic>
+        <p:nvPicPr>
+          <p:cNvPr id="14" name="Picture 13">
+            <a:extLst>
+              <a:ext uri="{FF2B5EF4-FFF2-40B4-BE49-F238E27FC236}">
+                <a16:creationId xmlns:a16="http://schemas.microsoft.com/office/drawing/2014/main" id="{C2889036-D97A-4853-846A-623CE4696BFE}"/>
+              </a:ext>
+            </a:extLst>
+          </p:cNvPr>
+          <p:cNvPicPr>
+            <a:picLocks noChangeAspect="1"/>
+          </p:cNvPicPr>
+          <p:nvPr/>
+        </p:nvPicPr>
+        <p:blipFill>
+          <a:blip r:embed="rId6"/>
+          <a:stretch>
+            <a:fillRect/>
+          </a:stretch>
+        </p:blipFill>
+        <p:spPr>
+          <a:xfrm>
+            <a:off x="7703714" y="7077794"/>
+            <a:ext cx="3677163" cy="2753109"/>
+          </a:xfrm>
+          <a:prstGeom prst="rect">
+            <a:avLst/>
+          </a:prstGeom>
+        </p:spPr>
+      </p:pic>
+      <p:pic>
+        <p:nvPicPr>
+          <p:cNvPr id="16" name="Picture 15">
+            <a:extLst>
+              <a:ext uri="{FF2B5EF4-FFF2-40B4-BE49-F238E27FC236}">
+                <a16:creationId xmlns:a16="http://schemas.microsoft.com/office/drawing/2014/main" id="{73126A73-BC1F-4327-B43D-DFE5B460F66C}"/>
+              </a:ext>
+            </a:extLst>
+          </p:cNvPr>
+          <p:cNvPicPr>
+            <a:picLocks noChangeAspect="1"/>
+          </p:cNvPicPr>
+          <p:nvPr/>
+        </p:nvPicPr>
+        <p:blipFill>
+          <a:blip r:embed="rId7"/>
+          <a:stretch>
+            <a:fillRect/>
+          </a:stretch>
+        </p:blipFill>
+        <p:spPr>
+          <a:xfrm>
+            <a:off x="7617976" y="10326198"/>
+            <a:ext cx="3848637" cy="2353003"/>
+          </a:xfrm>
+          <a:prstGeom prst="rect">
+            <a:avLst/>
+          </a:prstGeom>
+        </p:spPr>
+      </p:pic>
+      <p:sp>
+        <p:nvSpPr>
+          <p:cNvPr id="17" name="Star: 5 Points 16">
+            <a:extLst>
+              <a:ext uri="{FF2B5EF4-FFF2-40B4-BE49-F238E27FC236}">
+                <a16:creationId xmlns:a16="http://schemas.microsoft.com/office/drawing/2014/main" id="{21CAB171-0916-40AA-AF76-6AF14B5FFB03}"/>
+              </a:ext>
+            </a:extLst>
+          </p:cNvPr>
+          <p:cNvSpPr/>
+          <p:nvPr/>
+        </p:nvSpPr>
+        <p:spPr>
+          <a:xfrm>
+            <a:off x="6440487" y="988063"/>
+            <a:ext cx="790575" cy="790575"/>
+          </a:xfrm>
+          <a:prstGeom prst="star5">
+            <a:avLst/>
+          </a:prstGeom>
+          <a:solidFill>
+            <a:srgbClr val="FFFF00"/>
+          </a:solidFill>
+        </p:spPr>
+        <p:style>
+          <a:lnRef idx="2">
+            <a:schemeClr val="accent1">
+              <a:shade val="50000"/>
+            </a:schemeClr>
+          </a:lnRef>
+          <a:fillRef idx="1">
+            <a:schemeClr val="accent1"/>
+          </a:fillRef>
+          <a:effectRef idx="0">
+            <a:schemeClr val="accent1"/>
+          </a:effectRef>
+          <a:fontRef idx="minor">
+            <a:schemeClr val="lt1"/>
+          </a:fontRef>
+        </p:style>
+        <p:txBody>
+          <a:bodyPr rtlCol="0" anchor="ctr"/>
+          <a:lstStyle/>
+          <a:p>
+            <a:pPr algn="ctr"/>
+            <a:endParaRPr lang="en-US"/>
+          </a:p>
+        </p:txBody>
+      </p:sp>
+      <p:pic>
+        <p:nvPicPr>
+          <p:cNvPr id="19" name="Picture 18">
+            <a:extLst>
+              <a:ext uri="{FF2B5EF4-FFF2-40B4-BE49-F238E27FC236}">
+                <a16:creationId xmlns:a16="http://schemas.microsoft.com/office/drawing/2014/main" id="{ED55239E-7B22-4A43-A0A7-ACA1DED2D199}"/>
+              </a:ext>
+            </a:extLst>
+          </p:cNvPr>
+          <p:cNvPicPr>
+            <a:picLocks noChangeAspect="1"/>
+          </p:cNvPicPr>
+          <p:nvPr/>
+        </p:nvPicPr>
+        <p:blipFill>
+          <a:blip r:embed="rId8"/>
+          <a:stretch>
+            <a:fillRect/>
+          </a:stretch>
+        </p:blipFill>
+        <p:spPr>
+          <a:xfrm>
+            <a:off x="4236129" y="8971910"/>
+            <a:ext cx="3381847" cy="2200582"/>
+          </a:xfrm>
+          <a:prstGeom prst="rect">
+            <a:avLst/>
+          </a:prstGeom>
+        </p:spPr>
+      </p:pic>
+      <p:pic>
+        <p:nvPicPr>
+          <p:cNvPr id="21" name="Picture 20">
+            <a:extLst>
+              <a:ext uri="{FF2B5EF4-FFF2-40B4-BE49-F238E27FC236}">
+                <a16:creationId xmlns:a16="http://schemas.microsoft.com/office/drawing/2014/main" id="{0AEAD2A2-1B4E-4F83-80A7-4A954D07CAEF}"/>
+              </a:ext>
+            </a:extLst>
+          </p:cNvPr>
+          <p:cNvPicPr>
+            <a:picLocks noChangeAspect="1"/>
+          </p:cNvPicPr>
+          <p:nvPr/>
+        </p:nvPicPr>
+        <p:blipFill>
+          <a:blip r:embed="rId9"/>
+          <a:stretch>
+            <a:fillRect/>
+          </a:stretch>
+        </p:blipFill>
+        <p:spPr>
+          <a:xfrm>
+            <a:off x="268122" y="8971910"/>
+            <a:ext cx="3715268" cy="2114845"/>
+          </a:xfrm>
+          <a:prstGeom prst="rect">
+            <a:avLst/>
+          </a:prstGeom>
+        </p:spPr>
+      </p:pic>
+      <p:pic>
+        <p:nvPicPr>
+          <p:cNvPr id="23" name="Picture 22">
+            <a:extLst>
+              <a:ext uri="{FF2B5EF4-FFF2-40B4-BE49-F238E27FC236}">
+                <a16:creationId xmlns:a16="http://schemas.microsoft.com/office/drawing/2014/main" id="{94054EA2-C39C-49D1-8DA1-9BAFC59CAFB9}"/>
+              </a:ext>
+            </a:extLst>
+          </p:cNvPr>
+          <p:cNvPicPr>
+            <a:picLocks noChangeAspect="1"/>
+          </p:cNvPicPr>
+          <p:nvPr/>
+        </p:nvPicPr>
+        <p:blipFill>
+          <a:blip r:embed="rId10"/>
+          <a:stretch>
+            <a:fillRect/>
+          </a:stretch>
+        </p:blipFill>
+        <p:spPr>
+          <a:xfrm>
+            <a:off x="1155700" y="11185317"/>
+            <a:ext cx="2164039" cy="1619137"/>
+          </a:xfrm>
+          <a:prstGeom prst="rect">
+            <a:avLst/>
+          </a:prstGeom>
+        </p:spPr>
+      </p:pic>
+    </p:spTree>
+    <p:extLst>
+      <p:ext uri="{BB962C8B-B14F-4D97-AF65-F5344CB8AC3E}">
+        <p14:creationId xmlns:p14="http://schemas.microsoft.com/office/powerpoint/2010/main" val="107068359"/>
       </p:ext>
     </p:extLst>
   </p:cSld>
